--- a/Daily(written_by_Korean)/180810.pptx
+++ b/Daily(written_by_Korean)/180810.pptx
@@ -270,7 +270,7 @@
               <a:pPr>
                 <a:defRPr/>
               </a:pPr>
-              <a:t>2018-08-09</a:t>
+              <a:t>2018-08-10</a:t>
             </a:fld>
             <a:endParaRPr lang="ko-KR" altLang="en-US"/>
           </a:p>
@@ -4176,16 +4176,7 @@
                 </a:solidFill>
                 <a:sym typeface="Wingdings" panose="05000000000000000000" pitchFamily="2" charset="2"/>
               </a:rPr>
-              <a:t>아래에서 자세히 </a:t>
-            </a:r>
-            <a:r>
-              <a:rPr lang="ko-KR" altLang="en-US" b="0" dirty="0" smtClean="0">
-                <a:solidFill>
-                  <a:schemeClr val="tx1"/>
-                </a:solidFill>
-                <a:sym typeface="Wingdings" panose="05000000000000000000" pitchFamily="2" charset="2"/>
-              </a:rPr>
-              <a:t>설명</a:t>
+              <a:t>아래에서 자세히 설명</a:t>
             </a:r>
             <a:endParaRPr lang="en-US" altLang="ko-KR" b="0" dirty="0" smtClean="0">
               <a:solidFill>
@@ -4257,12 +4248,6 @@
               </a:rPr>
               <a:t>…</a:t>
             </a:r>
-            <a:endParaRPr lang="en-US" altLang="ko-KR" b="1" dirty="0" smtClean="0">
-              <a:solidFill>
-                <a:schemeClr val="tx1"/>
-              </a:solidFill>
-              <a:sym typeface="Wingdings" panose="05000000000000000000" pitchFamily="2" charset="2"/>
-            </a:endParaRPr>
           </a:p>
         </p:txBody>
       </p:sp>
@@ -10281,8 +10266,8 @@
               </a:spcBef>
             </a:pPr>
             <a:r>
-              <a:rPr lang="en-US" altLang="ko-KR" dirty="0" smtClean="0"/>
-              <a:t>Bandwidth Estimation</a:t>
+              <a:rPr lang="en-US" altLang="ko-KR" dirty="0"/>
+              <a:t>Algorithm</a:t>
             </a:r>
             <a:endParaRPr lang="en-US" altLang="ko-KR" sz="2800" dirty="0">
               <a:solidFill>
@@ -10536,13 +10521,21 @@
                 <a:ea typeface="굴림"/>
                 <a:cs typeface="Tahoma" panose="020B0604030504040204" pitchFamily="34" charset="0"/>
               </a:rPr>
-              <a:t>Scenario &amp; Algorithm</a:t>
+              <a:t>Case #3</a:t>
             </a:r>
+            <a:endParaRPr lang="en-US" altLang="ko-KR" kern="0" dirty="0" smtClean="0">
+              <a:solidFill>
+                <a:srgbClr val="000000"/>
+              </a:solidFill>
+              <a:latin typeface="Arial"/>
+              <a:ea typeface="굴림"/>
+              <a:cs typeface="Tahoma" panose="020B0604030504040204" pitchFamily="34" charset="0"/>
+            </a:endParaRPr>
           </a:p>
         </p:txBody>
       </p:sp>
-      <mc:AlternateContent xmlns:mc="http://schemas.openxmlformats.org/markup-compatibility/2006">
-        <mc:Choice xmlns:a14="http://schemas.microsoft.com/office/drawing/2010/main" Requires="a14">
+      <mc:AlternateContent xmlns:mc="http://schemas.openxmlformats.org/markup-compatibility/2006" xmlns:a14="http://schemas.microsoft.com/office/drawing/2010/main">
+        <mc:Choice Requires="a14">
           <p:graphicFrame>
             <p:nvGraphicFramePr>
               <p:cNvPr id="20" name="표 19"/>
@@ -10613,21 +10606,8 @@
                                 <a:schemeClr val="tx1"/>
                               </a:solidFill>
                             </a:rPr>
-                            <a:t>(AP j</a:t>
-                          </a:r>
-                          <a:r>
-                            <a:rPr lang="en-US" altLang="ko-KR" sz="1200" b="0" dirty="0" smtClean="0">
-                              <a:solidFill>
-                                <a:schemeClr val="tx1"/>
-                              </a:solidFill>
-                            </a:rPr>
-                            <a:t>):</a:t>
-                          </a:r>
-                          <a:endParaRPr lang="en-US" altLang="ko-KR" sz="1200" b="0" dirty="0" smtClean="0">
-                            <a:solidFill>
-                              <a:schemeClr val="tx1"/>
-                            </a:solidFill>
-                          </a:endParaRPr>
+                            <a:t>(AP j):</a:t>
+                          </a:r>
                         </a:p>
                         <a:p>
                           <a:pPr latinLnBrk="1"/>
@@ -11113,15 +11093,7 @@
                                 <a:schemeClr val="tx1"/>
                               </a:solidFill>
                             </a:rPr>
-                            <a:t>안에 오도록 </a:t>
-                          </a:r>
-                          <a:r>
-                            <a:rPr lang="ko-KR" altLang="en-US" sz="1200" b="0" baseline="0" dirty="0" smtClean="0">
-                              <a:solidFill>
-                                <a:schemeClr val="tx1"/>
-                              </a:solidFill>
-                            </a:rPr>
-                            <a:t>조정</a:t>
+                            <a:t>안에 오도록 조정</a:t>
                           </a:r>
                           <a:endParaRPr lang="en-US" altLang="ko-KR" sz="1200" b="0" baseline="0" dirty="0" smtClean="0">
                             <a:solidFill>
@@ -11268,15 +11240,7 @@
                                 <a:schemeClr val="tx1"/>
                               </a:solidFill>
                             </a:rPr>
-                            <a:t>End </a:t>
-                          </a:r>
-                          <a:r>
-                            <a:rPr lang="en-US" altLang="ko-KR" sz="1200" b="0" dirty="0" smtClean="0">
-                              <a:solidFill>
-                                <a:schemeClr val="tx1"/>
-                              </a:solidFill>
-                            </a:rPr>
-                            <a:t>Def</a:t>
+                            <a:t>End Def</a:t>
                           </a:r>
                         </a:p>
                         <a:p>
@@ -11349,7 +11313,7 @@
             </a:graphic>
           </p:graphicFrame>
         </mc:Choice>
-        <mc:Fallback>
+        <mc:Fallback xmlns="">
           <p:graphicFrame>
             <p:nvGraphicFramePr>
               <p:cNvPr id="20" name="표 19"/>
@@ -11457,8 +11421,8 @@
           </p:graphicFrame>
         </mc:Fallback>
       </mc:AlternateContent>
-      <mc:AlternateContent xmlns:mc="http://schemas.openxmlformats.org/markup-compatibility/2006">
-        <mc:Choice xmlns:a14="http://schemas.microsoft.com/office/drawing/2010/main" Requires="a14">
+      <mc:AlternateContent xmlns:mc="http://schemas.openxmlformats.org/markup-compatibility/2006" xmlns:a14="http://schemas.microsoft.com/office/drawing/2010/main">
+        <mc:Choice Requires="a14">
           <p:sp>
             <p:nvSpPr>
               <p:cNvPr id="6" name="직사각형 5"/>
@@ -11822,7 +11786,7 @@
             </p:txBody>
           </p:sp>
         </mc:Choice>
-        <mc:Fallback>
+        <mc:Fallback xmlns="">
           <p:sp>
             <p:nvSpPr>
               <p:cNvPr id="6" name="직사각형 5"/>
@@ -11922,7 +11886,7 @@
             </a:pPr>
             <a:r>
               <a:rPr lang="en-US" altLang="ko-KR" dirty="0" smtClean="0"/>
-              <a:t>Algorithm Verification</a:t>
+              <a:t>Verification</a:t>
             </a:r>
             <a:endParaRPr lang="en-US" altLang="ko-KR" sz="2800" dirty="0">
               <a:solidFill>
@@ -12838,18 +12802,7 @@
                 <a:ea typeface="굴림"/>
                 <a:cs typeface="Tahoma" panose="020B0604030504040204" pitchFamily="34" charset="0"/>
               </a:rPr>
-              <a:t> </a:t>
-            </a:r>
-            <a:r>
-              <a:rPr lang="en-US" altLang="ko-KR" kern="0" dirty="0" smtClean="0">
-                <a:solidFill>
-                  <a:srgbClr val="000000"/>
-                </a:solidFill>
-                <a:latin typeface="Arial"/>
-                <a:ea typeface="굴림"/>
-                <a:cs typeface="Tahoma" panose="020B0604030504040204" pitchFamily="34" charset="0"/>
-              </a:rPr>
-              <a:t>Algorithm through implementation</a:t>
+              <a:t> Algorithm through implementation</a:t>
             </a:r>
             <a:endParaRPr lang="en-US" altLang="ko-KR" sz="1200" kern="0" dirty="0">
               <a:solidFill>
@@ -13202,18 +13155,7 @@
                 <a:ea typeface="굴림"/>
                 <a:cs typeface="Tahoma" panose="020B0604030504040204" pitchFamily="34" charset="0"/>
               </a:rPr>
-              <a:t>Problem </a:t>
-            </a:r>
-            <a:r>
-              <a:rPr lang="en-US" altLang="ko-KR" sz="2000" kern="0" dirty="0" smtClean="0">
-                <a:solidFill>
-                  <a:srgbClr val="000000"/>
-                </a:solidFill>
-                <a:latin typeface="Arial"/>
-                <a:ea typeface="굴림"/>
-                <a:cs typeface="Tahoma" panose="020B0604030504040204" pitchFamily="34" charset="0"/>
-              </a:rPr>
-              <a:t>Formulation</a:t>
+              <a:t>Problem Formulation</a:t>
             </a:r>
           </a:p>
           <a:p>
@@ -13237,18 +13179,7 @@
                 <a:ea typeface="굴림"/>
                 <a:cs typeface="Tahoma" panose="020B0604030504040204" pitchFamily="34" charset="0"/>
               </a:rPr>
-              <a:t>Bandwidth </a:t>
-            </a:r>
-            <a:r>
-              <a:rPr lang="en-US" altLang="ko-KR" sz="2000" kern="0" dirty="0" smtClean="0">
-                <a:solidFill>
-                  <a:srgbClr val="000000"/>
-                </a:solidFill>
-                <a:latin typeface="Arial"/>
-                <a:ea typeface="굴림"/>
-                <a:cs typeface="Tahoma" panose="020B0604030504040204" pitchFamily="34" charset="0"/>
-              </a:rPr>
-              <a:t>Estimation</a:t>
+              <a:t>Bandwidth Estimation</a:t>
             </a:r>
           </a:p>
           <a:p>
@@ -13267,7 +13198,6 @@
               <a:rPr lang="en-US" altLang="ko-KR" sz="2000" dirty="0" smtClean="0"/>
               <a:t>Algorithm</a:t>
             </a:r>
-            <a:endParaRPr lang="en-US" altLang="ko-KR" sz="2000" dirty="0" smtClean="0"/>
           </a:p>
           <a:p>
             <a:pPr marL="648000" lvl="1" indent="-285750" fontAlgn="t">
@@ -13314,18 +13244,7 @@
                 <a:ea typeface="굴림"/>
                 <a:cs typeface="Tahoma" panose="020B0604030504040204" pitchFamily="34" charset="0"/>
               </a:rPr>
-              <a:t>Future </a:t>
-            </a:r>
-            <a:r>
-              <a:rPr lang="en-US" altLang="ko-KR" sz="2000" kern="0" dirty="0" smtClean="0">
-                <a:solidFill>
-                  <a:srgbClr val="000000"/>
-                </a:solidFill>
-                <a:latin typeface="Arial"/>
-                <a:ea typeface="굴림"/>
-                <a:cs typeface="Tahoma" panose="020B0604030504040204" pitchFamily="34" charset="0"/>
-              </a:rPr>
-              <a:t>Work</a:t>
+              <a:t>Future Work</a:t>
             </a:r>
             <a:endParaRPr lang="en-US" altLang="ko-KR" sz="2000" kern="0" dirty="0">
               <a:solidFill>
@@ -13647,8 +13566,8 @@
           </a:p>
         </p:txBody>
       </p:sp>
-      <mc:AlternateContent xmlns:mc="http://schemas.openxmlformats.org/markup-compatibility/2006">
-        <mc:Choice xmlns:a14="http://schemas.microsoft.com/office/drawing/2010/main" Requires="a14">
+      <mc:AlternateContent xmlns:mc="http://schemas.openxmlformats.org/markup-compatibility/2006" xmlns:a14="http://schemas.microsoft.com/office/drawing/2010/main">
+        <mc:Choice Requires="a14">
           <p:graphicFrame>
             <p:nvGraphicFramePr>
               <p:cNvPr id="7" name="표 6"/>
@@ -15871,7 +15790,7 @@
             </a:graphic>
           </p:graphicFrame>
         </mc:Choice>
-        <mc:Fallback>
+        <mc:Fallback xmlns="">
           <p:graphicFrame>
             <p:nvGraphicFramePr>
               <p:cNvPr id="7" name="표 6"/>
@@ -16932,8 +16851,8 @@
           </a:p>
         </p:txBody>
       </p:sp>
-      <mc:AlternateContent xmlns:mc="http://schemas.openxmlformats.org/markup-compatibility/2006">
-        <mc:Choice xmlns:a14="http://schemas.microsoft.com/office/drawing/2010/main" Requires="a14">
+      <mc:AlternateContent xmlns:mc="http://schemas.openxmlformats.org/markup-compatibility/2006" xmlns:a14="http://schemas.microsoft.com/office/drawing/2010/main">
+        <mc:Choice Requires="a14">
           <p:sp>
             <p:nvSpPr>
               <p:cNvPr id="8" name="내용 개체 틀 2"/>
@@ -19169,7 +19088,7 @@
             </p:txBody>
           </p:sp>
         </mc:Choice>
-        <mc:Fallback>
+        <mc:Fallback xmlns="">
           <p:sp>
             <p:nvSpPr>
               <p:cNvPr id="8" name="내용 개체 틀 2"/>
@@ -21801,8 +21720,8 @@
           </a:p>
         </p:txBody>
       </p:sp>
-      <mc:AlternateContent xmlns:mc="http://schemas.openxmlformats.org/markup-compatibility/2006">
-        <mc:Choice xmlns:a14="http://schemas.microsoft.com/office/drawing/2010/main" Requires="a14">
+      <mc:AlternateContent xmlns:mc="http://schemas.openxmlformats.org/markup-compatibility/2006" xmlns:a14="http://schemas.microsoft.com/office/drawing/2010/main">
+        <mc:Choice Requires="a14">
           <p:sp>
             <p:nvSpPr>
               <p:cNvPr id="11" name="직사각형 10"/>
@@ -21824,6 +21743,7 @@
               </a:bodyPr>
               <a:lstStyle/>
               <a:p>
+                <a:pPr/>
                 <a14:m>
                   <m:oMathPara xmlns:m="http://schemas.openxmlformats.org/officeDocument/2006/math">
                     <m:oMathParaPr>
@@ -21966,7 +21886,7 @@
             </p:txBody>
           </p:sp>
         </mc:Choice>
-        <mc:Fallback>
+        <mc:Fallback xmlns="">
           <p:sp>
             <p:nvSpPr>
               <p:cNvPr id="11" name="직사각형 10"/>
@@ -22108,8 +22028,8 @@
               </a:spcBef>
             </a:pPr>
             <a:r>
-              <a:rPr lang="en-US" altLang="ko-KR" dirty="0" smtClean="0"/>
-              <a:t>Bandwidth Estimation</a:t>
+              <a:rPr lang="en-US" altLang="ko-KR" sz="2800" dirty="0" smtClean="0"/>
+              <a:t>Algorithm</a:t>
             </a:r>
             <a:endParaRPr lang="en-US" altLang="ko-KR" sz="2800" dirty="0">
               <a:solidFill>
@@ -22322,54 +22242,8 @@
           </a:p>
         </p:txBody>
       </p:sp>
-      <p:sp>
-        <p:nvSpPr>
-          <p:cNvPr id="49" name="직사각형 48"/>
-          <p:cNvSpPr/>
-          <p:nvPr/>
-        </p:nvSpPr>
-        <p:spPr>
-          <a:xfrm>
-            <a:off x="395535" y="1135063"/>
-            <a:ext cx="8208913" cy="461665"/>
-          </a:xfrm>
-          <a:prstGeom prst="rect">
-            <a:avLst/>
-          </a:prstGeom>
-        </p:spPr>
-        <p:txBody>
-          <a:bodyPr wrap="square">
-            <a:spAutoFit/>
-          </a:bodyPr>
-          <a:lstStyle/>
-          <a:p>
-            <a:pPr marL="342900" indent="-342900" fontAlgn="t">
-              <a:spcBef>
-                <a:spcPct val="20000"/>
-              </a:spcBef>
-              <a:buClr>
-                <a:srgbClr val="A20000"/>
-              </a:buClr>
-              <a:buSzPct val="100000"/>
-              <a:buFont typeface="Wingdings" panose="05000000000000000000" pitchFamily="2" charset="2"/>
-              <a:buChar char=""/>
-            </a:pPr>
-            <a:r>
-              <a:rPr lang="en-US" altLang="ko-KR" kern="0" dirty="0" smtClean="0">
-                <a:solidFill>
-                  <a:srgbClr val="000000"/>
-                </a:solidFill>
-                <a:latin typeface="Arial"/>
-                <a:ea typeface="굴림"/>
-                <a:cs typeface="Tahoma" panose="020B0604030504040204" pitchFamily="34" charset="0"/>
-              </a:rPr>
-              <a:t>Scenario &amp; Algorithm</a:t>
-            </a:r>
-          </a:p>
-        </p:txBody>
-      </p:sp>
-      <mc:AlternateContent xmlns:mc="http://schemas.openxmlformats.org/markup-compatibility/2006">
-        <mc:Choice xmlns:a14="http://schemas.microsoft.com/office/drawing/2010/main" Requires="a14">
+      <mc:AlternateContent xmlns:mc="http://schemas.openxmlformats.org/markup-compatibility/2006" xmlns:a14="http://schemas.microsoft.com/office/drawing/2010/main">
+        <mc:Choice Requires="a14">
           <p:graphicFrame>
             <p:nvGraphicFramePr>
               <p:cNvPr id="4" name="표 3"/>
@@ -22434,11 +22308,6 @@
                             </a:rPr>
                             <a:t>():</a:t>
                           </a:r>
-                          <a:endParaRPr lang="en-US" altLang="ko-KR" sz="1200" b="0" dirty="0" smtClean="0">
-                            <a:solidFill>
-                              <a:schemeClr val="tx1"/>
-                            </a:solidFill>
-                          </a:endParaRPr>
                         </a:p>
                         <a:p>
                           <a:pPr latinLnBrk="1"/>
@@ -22504,15 +22373,7 @@
                                 <a:srgbClr val="FF0000"/>
                               </a:solidFill>
                             </a:rPr>
-                            <a:t>을 </a:t>
-                          </a:r>
-                          <a:r>
-                            <a:rPr lang="ko-KR" altLang="en-US" sz="1200" b="1" dirty="0" smtClean="0">
-                              <a:solidFill>
-                                <a:srgbClr val="FF0000"/>
-                              </a:solidFill>
-                            </a:rPr>
-                            <a:t>요청</a:t>
+                            <a:t>을 요청</a:t>
                           </a:r>
                           <a:endParaRPr lang="en-US" altLang="ko-KR" sz="1200" b="1" i="0" dirty="0" smtClean="0">
                             <a:solidFill>
@@ -22611,15 +22472,7 @@
                                 <a:schemeClr val="tx1"/>
                               </a:solidFill>
                             </a:rPr>
-                            <a:t>값으로 </a:t>
-                          </a:r>
-                          <a:r>
-                            <a:rPr lang="ko-KR" altLang="en-US" sz="1200" b="0" dirty="0" smtClean="0">
-                              <a:solidFill>
-                                <a:schemeClr val="tx1"/>
-                              </a:solidFill>
-                            </a:rPr>
-                            <a:t>설정</a:t>
+                            <a:t>값으로 설정</a:t>
                           </a:r>
                           <a:endParaRPr lang="en-US" altLang="ko-KR" sz="1200" b="1" dirty="0" smtClean="0">
                             <a:solidFill>
@@ -22712,11 +22565,6 @@
                             </a:rPr>
                             <a:t>:</a:t>
                           </a:r>
-                          <a:endParaRPr lang="en-US" altLang="ko-KR" sz="1200" b="0" baseline="0" dirty="0" smtClean="0">
-                            <a:solidFill>
-                              <a:schemeClr val="tx1"/>
-                            </a:solidFill>
-                          </a:endParaRPr>
                         </a:p>
                         <a:p>
                           <a:pPr latinLnBrk="1"/>
@@ -22785,21 +22633,8 @@
                                 <a:schemeClr val="tx1"/>
                               </a:solidFill>
                             </a:rPr>
-                            <a:t>        </a:t>
-                          </a:r>
-                          <a:r>
-                            <a:rPr lang="en-US" altLang="ko-KR" sz="1200" b="0" baseline="0" dirty="0" smtClean="0">
-                              <a:solidFill>
-                                <a:schemeClr val="tx1"/>
-                              </a:solidFill>
-                            </a:rPr>
-                            <a:t>continue</a:t>
-                          </a:r>
-                          <a:endParaRPr lang="en-US" altLang="ko-KR" sz="1200" b="0" baseline="0" dirty="0" smtClean="0">
-                            <a:solidFill>
-                              <a:schemeClr val="tx1"/>
-                            </a:solidFill>
-                          </a:endParaRPr>
+                            <a:t>        continue</a:t>
+                          </a:r>
                         </a:p>
                         <a:p>
                           <a:pPr latinLnBrk="1"/>
@@ -23290,15 +23125,7 @@
                                 <a:srgbClr val="FF0000"/>
                               </a:solidFill>
                             </a:rPr>
-                            <a:t>End </a:t>
-                          </a:r>
-                          <a:r>
-                            <a:rPr lang="en-US" altLang="ko-KR" sz="1200" b="1" baseline="0" dirty="0" smtClean="0">
-                              <a:solidFill>
-                                <a:srgbClr val="FF0000"/>
-                              </a:solidFill>
-                            </a:rPr>
-                            <a:t>For</a:t>
+                            <a:t>End For</a:t>
                           </a:r>
                           <a:endParaRPr lang="en-US" altLang="ko-KR" sz="1200" b="0" dirty="0" smtClean="0">
                             <a:solidFill>
@@ -23532,15 +23359,7 @@
                                 <a:schemeClr val="tx1"/>
                               </a:solidFill>
                             </a:rPr>
-                            <a:t>을 찾고 </a:t>
-                          </a:r>
-                          <a:r>
-                            <a:rPr lang="ko-KR" altLang="en-US" sz="1200" b="0" baseline="0" dirty="0" smtClean="0">
-                              <a:solidFill>
-                                <a:schemeClr val="tx1"/>
-                              </a:solidFill>
-                            </a:rPr>
-                            <a:t>그에 맞는 </a:t>
+                            <a:t>을 찾고 그에 맞는 </a:t>
                           </a:r>
                           <a:r>
                             <a:rPr lang="en-US" altLang="ko-KR" sz="1200" b="1" baseline="0" dirty="0" smtClean="0">
@@ -23645,7 +23464,7 @@
             </a:graphic>
           </p:graphicFrame>
         </mc:Choice>
-        <mc:Fallback>
+        <mc:Fallback xmlns="">
           <p:graphicFrame>
             <p:nvGraphicFramePr>
               <p:cNvPr id="4" name="표 3"/>
@@ -23753,8 +23572,8 @@
           </p:graphicFrame>
         </mc:Fallback>
       </mc:AlternateContent>
-      <mc:AlternateContent xmlns:mc="http://schemas.openxmlformats.org/markup-compatibility/2006">
-        <mc:Choice xmlns:a14="http://schemas.microsoft.com/office/drawing/2010/main" Requires="a14">
+      <mc:AlternateContent xmlns:mc="http://schemas.openxmlformats.org/markup-compatibility/2006" xmlns:a14="http://schemas.microsoft.com/office/drawing/2010/main">
+        <mc:Choice Requires="a14">
           <p:graphicFrame>
             <p:nvGraphicFramePr>
               <p:cNvPr id="20" name="표 19"/>
@@ -23825,21 +23644,8 @@
                                 <a:schemeClr val="tx1"/>
                               </a:solidFill>
                             </a:rPr>
-                            <a:t>(AP j</a:t>
-                          </a:r>
-                          <a:r>
-                            <a:rPr lang="en-US" altLang="ko-KR" sz="1200" b="0" dirty="0" smtClean="0">
-                              <a:solidFill>
-                                <a:schemeClr val="tx1"/>
-                              </a:solidFill>
-                            </a:rPr>
-                            <a:t>):</a:t>
-                          </a:r>
-                          <a:endParaRPr lang="en-US" altLang="ko-KR" sz="1200" b="0" dirty="0" smtClean="0">
-                            <a:solidFill>
-                              <a:schemeClr val="tx1"/>
-                            </a:solidFill>
-                          </a:endParaRPr>
+                            <a:t>(AP j):</a:t>
+                          </a:r>
                         </a:p>
                         <a:p>
                           <a:pPr latinLnBrk="1"/>
@@ -24562,15 +24368,7 @@
                                 <a:srgbClr val="FF0000"/>
                               </a:solidFill>
                             </a:rPr>
-                            <a:t>End </a:t>
-                          </a:r>
-                          <a:r>
-                            <a:rPr lang="en-US" altLang="ko-KR" sz="1200" b="1" dirty="0" smtClean="0">
-                              <a:solidFill>
-                                <a:srgbClr val="FF0000"/>
-                              </a:solidFill>
-                            </a:rPr>
-                            <a:t>Def</a:t>
+                            <a:t>End Def</a:t>
                           </a:r>
                         </a:p>
                         <a:p>
@@ -24643,7 +24441,7 @@
             </a:graphic>
           </p:graphicFrame>
         </mc:Choice>
-        <mc:Fallback>
+        <mc:Fallback xmlns="">
           <p:graphicFrame>
             <p:nvGraphicFramePr>
               <p:cNvPr id="20" name="표 19"/>
@@ -24811,8 +24609,8 @@
               </a:spcBef>
             </a:pPr>
             <a:r>
-              <a:rPr lang="en-US" altLang="ko-KR" dirty="0" smtClean="0"/>
-              <a:t>Bandwidth Estimation</a:t>
+              <a:rPr lang="en-US" altLang="ko-KR" dirty="0"/>
+              <a:t>Algorithm</a:t>
             </a:r>
             <a:endParaRPr lang="en-US" altLang="ko-KR" sz="2800" dirty="0">
               <a:solidFill>
@@ -25066,13 +24864,21 @@
                 <a:ea typeface="굴림"/>
                 <a:cs typeface="Tahoma" panose="020B0604030504040204" pitchFamily="34" charset="0"/>
               </a:rPr>
-              <a:t>Scenario &amp; Algorithm</a:t>
+              <a:t>Case #1</a:t>
             </a:r>
+            <a:endParaRPr lang="en-US" altLang="ko-KR" kern="0" dirty="0" smtClean="0">
+              <a:solidFill>
+                <a:srgbClr val="000000"/>
+              </a:solidFill>
+              <a:latin typeface="Arial"/>
+              <a:ea typeface="굴림"/>
+              <a:cs typeface="Tahoma" panose="020B0604030504040204" pitchFamily="34" charset="0"/>
+            </a:endParaRPr>
           </a:p>
         </p:txBody>
       </p:sp>
-      <mc:AlternateContent xmlns:mc="http://schemas.openxmlformats.org/markup-compatibility/2006">
-        <mc:Choice xmlns:a14="http://schemas.microsoft.com/office/drawing/2010/main" Requires="a14">
+      <mc:AlternateContent xmlns:mc="http://schemas.openxmlformats.org/markup-compatibility/2006" xmlns:a14="http://schemas.microsoft.com/office/drawing/2010/main">
+        <mc:Choice Requires="a14">
           <p:graphicFrame>
             <p:nvGraphicFramePr>
               <p:cNvPr id="20" name="표 19"/>
@@ -25143,21 +24949,8 @@
                                 <a:schemeClr val="tx1"/>
                               </a:solidFill>
                             </a:rPr>
-                            <a:t>(AP j</a:t>
-                          </a:r>
-                          <a:r>
-                            <a:rPr lang="en-US" altLang="ko-KR" sz="1200" b="0" dirty="0" smtClean="0">
-                              <a:solidFill>
-                                <a:schemeClr val="tx1"/>
-                              </a:solidFill>
-                            </a:rPr>
-                            <a:t>):</a:t>
-                          </a:r>
-                          <a:endParaRPr lang="en-US" altLang="ko-KR" sz="1200" b="0" dirty="0" smtClean="0">
-                            <a:solidFill>
-                              <a:schemeClr val="tx1"/>
-                            </a:solidFill>
-                          </a:endParaRPr>
+                            <a:t>(AP j):</a:t>
+                          </a:r>
                         </a:p>
                         <a:p>
                           <a:pPr latinLnBrk="1"/>
@@ -25643,15 +25436,7 @@
                                 <a:schemeClr val="tx1"/>
                               </a:solidFill>
                             </a:rPr>
-                            <a:t>안에 오도록 </a:t>
-                          </a:r>
-                          <a:r>
-                            <a:rPr lang="ko-KR" altLang="en-US" sz="1200" b="0" baseline="0" dirty="0" smtClean="0">
-                              <a:solidFill>
-                                <a:schemeClr val="tx1"/>
-                              </a:solidFill>
-                            </a:rPr>
-                            <a:t>조정</a:t>
+                            <a:t>안에 오도록 조정</a:t>
                           </a:r>
                           <a:endParaRPr lang="en-US" altLang="ko-KR" sz="1200" b="0" baseline="0" dirty="0" smtClean="0">
                             <a:solidFill>
@@ -25790,15 +25575,7 @@
                                 <a:schemeClr val="tx1"/>
                               </a:solidFill>
                             </a:rPr>
-                            <a:t>End </a:t>
-                          </a:r>
-                          <a:r>
-                            <a:rPr lang="en-US" altLang="ko-KR" sz="1200" b="0" dirty="0" smtClean="0">
-                              <a:solidFill>
-                                <a:schemeClr val="tx1"/>
-                              </a:solidFill>
-                            </a:rPr>
-                            <a:t>Def</a:t>
+                            <a:t>End Def</a:t>
                           </a:r>
                         </a:p>
                         <a:p>
@@ -25871,7 +25648,7 @@
             </a:graphic>
           </p:graphicFrame>
         </mc:Choice>
-        <mc:Fallback>
+        <mc:Fallback xmlns="">
           <p:graphicFrame>
             <p:nvGraphicFramePr>
               <p:cNvPr id="20" name="표 19"/>
@@ -26496,8 +26273,8 @@
               </a:spcBef>
             </a:pPr>
             <a:r>
-              <a:rPr lang="en-US" altLang="ko-KR" dirty="0" smtClean="0"/>
-              <a:t>Bandwidth Estimation</a:t>
+              <a:rPr lang="en-US" altLang="ko-KR" dirty="0"/>
+              <a:t>Algorithm</a:t>
             </a:r>
             <a:endParaRPr lang="en-US" altLang="ko-KR" sz="2800" dirty="0">
               <a:solidFill>
@@ -26751,13 +26528,21 @@
                 <a:ea typeface="굴림"/>
                 <a:cs typeface="Tahoma" panose="020B0604030504040204" pitchFamily="34" charset="0"/>
               </a:rPr>
-              <a:t>Scenario &amp; Algorithm</a:t>
+              <a:t>Case #2</a:t>
             </a:r>
+            <a:endParaRPr lang="en-US" altLang="ko-KR" kern="0" dirty="0" smtClean="0">
+              <a:solidFill>
+                <a:srgbClr val="000000"/>
+              </a:solidFill>
+              <a:latin typeface="Arial"/>
+              <a:ea typeface="굴림"/>
+              <a:cs typeface="Tahoma" panose="020B0604030504040204" pitchFamily="34" charset="0"/>
+            </a:endParaRPr>
           </a:p>
         </p:txBody>
       </p:sp>
-      <mc:AlternateContent xmlns:mc="http://schemas.openxmlformats.org/markup-compatibility/2006">
-        <mc:Choice xmlns:a14="http://schemas.microsoft.com/office/drawing/2010/main" Requires="a14">
+      <mc:AlternateContent xmlns:mc="http://schemas.openxmlformats.org/markup-compatibility/2006" xmlns:a14="http://schemas.microsoft.com/office/drawing/2010/main">
+        <mc:Choice Requires="a14">
           <p:graphicFrame>
             <p:nvGraphicFramePr>
               <p:cNvPr id="20" name="표 19"/>
@@ -26828,21 +26613,8 @@
                                 <a:schemeClr val="tx1"/>
                               </a:solidFill>
                             </a:rPr>
-                            <a:t>(AP j</a:t>
-                          </a:r>
-                          <a:r>
-                            <a:rPr lang="en-US" altLang="ko-KR" sz="1200" b="0" dirty="0" smtClean="0">
-                              <a:solidFill>
-                                <a:schemeClr val="tx1"/>
-                              </a:solidFill>
-                            </a:rPr>
-                            <a:t>):</a:t>
-                          </a:r>
-                          <a:endParaRPr lang="en-US" altLang="ko-KR" sz="1200" b="0" dirty="0" smtClean="0">
-                            <a:solidFill>
-                              <a:schemeClr val="tx1"/>
-                            </a:solidFill>
-                          </a:endParaRPr>
+                            <a:t>(AP j):</a:t>
+                          </a:r>
                         </a:p>
                         <a:p>
                           <a:pPr latinLnBrk="1"/>
@@ -27330,15 +27102,7 @@
                                 <a:schemeClr val="tx1"/>
                               </a:solidFill>
                             </a:rPr>
-                            <a:t>안에 오도록 </a:t>
-                          </a:r>
-                          <a:r>
-                            <a:rPr lang="ko-KR" altLang="en-US" sz="1200" b="0" baseline="0" dirty="0" smtClean="0">
-                              <a:solidFill>
-                                <a:schemeClr val="tx1"/>
-                              </a:solidFill>
-                            </a:rPr>
-                            <a:t>조정</a:t>
+                            <a:t>안에 오도록 조정</a:t>
                           </a:r>
                           <a:endParaRPr lang="en-US" altLang="ko-KR" sz="1200" b="0" baseline="0" dirty="0" smtClean="0">
                             <a:solidFill>
@@ -27477,15 +27241,7 @@
                                 <a:schemeClr val="tx1"/>
                               </a:solidFill>
                             </a:rPr>
-                            <a:t>End </a:t>
-                          </a:r>
-                          <a:r>
-                            <a:rPr lang="en-US" altLang="ko-KR" sz="1200" b="0" dirty="0" smtClean="0">
-                              <a:solidFill>
-                                <a:schemeClr val="tx1"/>
-                              </a:solidFill>
-                            </a:rPr>
-                            <a:t>Def</a:t>
+                            <a:t>End Def</a:t>
                           </a:r>
                         </a:p>
                         <a:p>
@@ -27558,7 +27314,7 @@
             </a:graphic>
           </p:graphicFrame>
         </mc:Choice>
-        <mc:Fallback>
+        <mc:Fallback xmlns="">
           <p:graphicFrame>
             <p:nvGraphicFramePr>
               <p:cNvPr id="20" name="표 19"/>
